--- a/Project (E-Auction System)/PPT/EAS Group-3.pptx
+++ b/Project (E-Auction System)/PPT/EAS Group-3.pptx
@@ -255,7 +255,7 @@
   </p:defaultTextStyle>
   <p:extLst>
     <p:ext uri="{EFAFB233-063F-42B5-8137-9DF3F51BA10A}">
-      <p15:sldGuideLst xmlns:ahyp="http://schemas.microsoft.com/office/drawing/2018/hyperlinkcolor" xmlns:p15="http://schemas.microsoft.com/office/powerpoint/2012/main" xmlns:p14="http://schemas.microsoft.com/office/powerpoint/2010/main" xmlns:com="http://schemas.openxmlformats.org/drawingml/2006/compatibility" xmlns:pvml="urn:schemas-microsoft-com:office:powerpoint" xmlns:v="urn:schemas-microsoft-com:vml" xmlns:o="urn:schemas-microsoft-com:office:office" xmlns:dgm="http://schemas.openxmlformats.org/drawingml/2006/diagram" xmlns:c="http://schemas.openxmlformats.org/drawingml/2006/chart" xmlns:mv="urn:schemas-microsoft-com:mac:vml" xmlns:mc="http://schemas.openxmlformats.org/markup-compatibility/2006" xmlns="">
+      <p15:sldGuideLst xmlns="" xmlns:mc="http://schemas.openxmlformats.org/markup-compatibility/2006" xmlns:mv="urn:schemas-microsoft-com:mac:vml" xmlns:c="http://schemas.openxmlformats.org/drawingml/2006/chart" xmlns:dgm="http://schemas.openxmlformats.org/drawingml/2006/diagram" xmlns:o="urn:schemas-microsoft-com:office:office" xmlns:v="urn:schemas-microsoft-com:vml" xmlns:pvml="urn:schemas-microsoft-com:office:powerpoint" xmlns:com="http://schemas.openxmlformats.org/drawingml/2006/compatibility" xmlns:p14="http://schemas.microsoft.com/office/powerpoint/2010/main" xmlns:p15="http://schemas.microsoft.com/office/powerpoint/2012/main" xmlns:ahyp="http://schemas.microsoft.com/office/drawing/2018/hyperlinkcolor">
         <p15:guide id="1" orient="horz" pos="2160">
           <p15:clr>
             <a:srgbClr val="A4A3A4"/>
@@ -269,7 +269,7 @@
       </p15:sldGuideLst>
     </p:ext>
     <p:ext uri="http://customooxmlschemas.google.com/">
-      <go:slidesCustomData xmlns:go="http://customooxmlschemas.google.com/" xmlns:ahyp="http://schemas.microsoft.com/office/drawing/2018/hyperlinkcolor" xmlns:p15="http://schemas.microsoft.com/office/powerpoint/2012/main" xmlns:p14="http://schemas.microsoft.com/office/powerpoint/2010/main" xmlns:com="http://schemas.openxmlformats.org/drawingml/2006/compatibility" xmlns:pvml="urn:schemas-microsoft-com:office:powerpoint" xmlns:v="urn:schemas-microsoft-com:vml" xmlns:o="urn:schemas-microsoft-com:office:office" xmlns:dgm="http://schemas.openxmlformats.org/drawingml/2006/diagram" xmlns:c="http://schemas.openxmlformats.org/drawingml/2006/chart" xmlns:mv="urn:schemas-microsoft-com:mac:vml" xmlns:mc="http://schemas.openxmlformats.org/markup-compatibility/2006" xmlns="" r:id="rId21" roundtripDataSignature="AMtx7mgbYVgeKxOG2JQaa+l0AnHCp/Q6hg=="/>
+      <go:slidesCustomData xmlns="" xmlns:mc="http://schemas.openxmlformats.org/markup-compatibility/2006" xmlns:mv="urn:schemas-microsoft-com:mac:vml" xmlns:c="http://schemas.openxmlformats.org/drawingml/2006/chart" xmlns:dgm="http://schemas.openxmlformats.org/drawingml/2006/diagram" xmlns:o="urn:schemas-microsoft-com:office:office" xmlns:v="urn:schemas-microsoft-com:vml" xmlns:pvml="urn:schemas-microsoft-com:office:powerpoint" xmlns:com="http://schemas.openxmlformats.org/drawingml/2006/compatibility" xmlns:p14="http://schemas.microsoft.com/office/powerpoint/2010/main" xmlns:p15="http://schemas.microsoft.com/office/powerpoint/2012/main" xmlns:ahyp="http://schemas.microsoft.com/office/drawing/2018/hyperlinkcolor" xmlns:go="http://customooxmlschemas.google.com/" r:id="rId21" roundtripDataSignature="AMtx7mgbYVgeKxOG2JQaa+l0AnHCp/Q6hg=="/>
     </p:ext>
   </p:extLst>
 </p:presentation>
@@ -6732,14 +6732,14 @@
               <a:t>Harsh </a:t>
             </a:r>
             <a:r>
-              <a:rPr lang="en-US" sz="1800" dirty="0" err="1" smtClean="0">
+              <a:rPr lang="en-US" sz="1800" dirty="0" smtClean="0">
                 <a:solidFill>
                   <a:schemeClr val="bg2">
                     <a:lumMod val="25000"/>
                   </a:schemeClr>
                 </a:solidFill>
               </a:rPr>
-              <a:t>Prashad</a:t>
+              <a:t>Prasad</a:t>
             </a:r>
             <a:endParaRPr lang="en-US" sz="1800" dirty="0" smtClean="0">
               <a:solidFill>
@@ -7149,7 +7149,7 @@
     <a:masterClrMapping/>
   </p:clrMapOvr>
   <mc:AlternateContent xmlns:mc="http://schemas.openxmlformats.org/markup-compatibility/2006">
-    <mc:Choice xmlns:ahyp="http://schemas.microsoft.com/office/drawing/2018/hyperlinkcolor" xmlns:p15="http://schemas.microsoft.com/office/powerpoint/2012/main" xmlns:p14="http://schemas.microsoft.com/office/powerpoint/2010/main" xmlns:com="http://schemas.openxmlformats.org/drawingml/2006/compatibility" xmlns:pvml="urn:schemas-microsoft-com:office:powerpoint" xmlns:v="urn:schemas-microsoft-com:vml" xmlns:o="urn:schemas-microsoft-com:office:office" xmlns:dgm="http://schemas.openxmlformats.org/drawingml/2006/diagram" xmlns:c="http://schemas.openxmlformats.org/drawingml/2006/chart" xmlns:mv="urn:schemas-microsoft-com:mac:vml" xmlns="" Requires="p14">
+    <mc:Choice xmlns="" xmlns:mv="urn:schemas-microsoft-com:mac:vml" xmlns:c="http://schemas.openxmlformats.org/drawingml/2006/chart" xmlns:dgm="http://schemas.openxmlformats.org/drawingml/2006/diagram" xmlns:o="urn:schemas-microsoft-com:office:office" xmlns:v="urn:schemas-microsoft-com:vml" xmlns:pvml="urn:schemas-microsoft-com:office:powerpoint" xmlns:com="http://schemas.openxmlformats.org/drawingml/2006/compatibility" xmlns:p14="http://schemas.microsoft.com/office/powerpoint/2010/main" xmlns:p15="http://schemas.microsoft.com/office/powerpoint/2012/main" xmlns:ahyp="http://schemas.microsoft.com/office/drawing/2018/hyperlinkcolor" Requires="p14">
       <p:transition spd="slow" p14:dur="700">
         <p:fade/>
       </p:transition>
@@ -7353,7 +7353,7 @@
     <a:masterClrMapping/>
   </p:clrMapOvr>
   <mc:AlternateContent xmlns:mc="http://schemas.openxmlformats.org/markup-compatibility/2006">
-    <mc:Choice xmlns:ahyp="http://schemas.microsoft.com/office/drawing/2018/hyperlinkcolor" xmlns:p15="http://schemas.microsoft.com/office/powerpoint/2012/main" xmlns:p14="http://schemas.microsoft.com/office/powerpoint/2010/main" xmlns:com="http://schemas.openxmlformats.org/drawingml/2006/compatibility" xmlns:pvml="urn:schemas-microsoft-com:office:powerpoint" xmlns:v="urn:schemas-microsoft-com:vml" xmlns:o="urn:schemas-microsoft-com:office:office" xmlns:dgm="http://schemas.openxmlformats.org/drawingml/2006/diagram" xmlns:c="http://schemas.openxmlformats.org/drawingml/2006/chart" xmlns:mv="urn:schemas-microsoft-com:mac:vml" xmlns="" Requires="p14">
+    <mc:Choice xmlns="" xmlns:mv="urn:schemas-microsoft-com:mac:vml" xmlns:c="http://schemas.openxmlformats.org/drawingml/2006/chart" xmlns:dgm="http://schemas.openxmlformats.org/drawingml/2006/diagram" xmlns:o="urn:schemas-microsoft-com:office:office" xmlns:v="urn:schemas-microsoft-com:vml" xmlns:pvml="urn:schemas-microsoft-com:office:powerpoint" xmlns:com="http://schemas.openxmlformats.org/drawingml/2006/compatibility" xmlns:p14="http://schemas.microsoft.com/office/powerpoint/2010/main" xmlns:p15="http://schemas.microsoft.com/office/powerpoint/2012/main" xmlns:ahyp="http://schemas.microsoft.com/office/drawing/2018/hyperlinkcolor" Requires="p14">
       <p:transition spd="slow" p14:dur="700">
         <p:fade/>
       </p:transition>
@@ -7581,7 +7581,7 @@
     <a:masterClrMapping/>
   </p:clrMapOvr>
   <mc:AlternateContent xmlns:mc="http://schemas.openxmlformats.org/markup-compatibility/2006">
-    <mc:Choice xmlns:ahyp="http://schemas.microsoft.com/office/drawing/2018/hyperlinkcolor" xmlns:p15="http://schemas.microsoft.com/office/powerpoint/2012/main" xmlns:p14="http://schemas.microsoft.com/office/powerpoint/2010/main" xmlns:com="http://schemas.openxmlformats.org/drawingml/2006/compatibility" xmlns:pvml="urn:schemas-microsoft-com:office:powerpoint" xmlns:v="urn:schemas-microsoft-com:vml" xmlns:o="urn:schemas-microsoft-com:office:office" xmlns:dgm="http://schemas.openxmlformats.org/drawingml/2006/diagram" xmlns:c="http://schemas.openxmlformats.org/drawingml/2006/chart" xmlns:mv="urn:schemas-microsoft-com:mac:vml" xmlns="" Requires="p14">
+    <mc:Choice xmlns="" xmlns:mv="urn:schemas-microsoft-com:mac:vml" xmlns:c="http://schemas.openxmlformats.org/drawingml/2006/chart" xmlns:dgm="http://schemas.openxmlformats.org/drawingml/2006/diagram" xmlns:o="urn:schemas-microsoft-com:office:office" xmlns:v="urn:schemas-microsoft-com:vml" xmlns:pvml="urn:schemas-microsoft-com:office:powerpoint" xmlns:com="http://schemas.openxmlformats.org/drawingml/2006/compatibility" xmlns:p14="http://schemas.microsoft.com/office/powerpoint/2010/main" xmlns:p15="http://schemas.microsoft.com/office/powerpoint/2012/main" xmlns:ahyp="http://schemas.microsoft.com/office/drawing/2018/hyperlinkcolor" Requires="p14">
       <p:transition spd="slow" p14:dur="700">
         <p:fade/>
       </p:transition>
@@ -7803,7 +7803,7 @@
     <a:masterClrMapping/>
   </p:clrMapOvr>
   <mc:AlternateContent xmlns:mc="http://schemas.openxmlformats.org/markup-compatibility/2006">
-    <mc:Choice xmlns:ahyp="http://schemas.microsoft.com/office/drawing/2018/hyperlinkcolor" xmlns:p15="http://schemas.microsoft.com/office/powerpoint/2012/main" xmlns:p14="http://schemas.microsoft.com/office/powerpoint/2010/main" xmlns:com="http://schemas.openxmlformats.org/drawingml/2006/compatibility" xmlns:pvml="urn:schemas-microsoft-com:office:powerpoint" xmlns:v="urn:schemas-microsoft-com:vml" xmlns:o="urn:schemas-microsoft-com:office:office" xmlns:dgm="http://schemas.openxmlformats.org/drawingml/2006/diagram" xmlns:c="http://schemas.openxmlformats.org/drawingml/2006/chart" xmlns:mv="urn:schemas-microsoft-com:mac:vml" xmlns="" Requires="p14">
+    <mc:Choice xmlns="" xmlns:mv="urn:schemas-microsoft-com:mac:vml" xmlns:c="http://schemas.openxmlformats.org/drawingml/2006/chart" xmlns:dgm="http://schemas.openxmlformats.org/drawingml/2006/diagram" xmlns:o="urn:schemas-microsoft-com:office:office" xmlns:v="urn:schemas-microsoft-com:vml" xmlns:pvml="urn:schemas-microsoft-com:office:powerpoint" xmlns:com="http://schemas.openxmlformats.org/drawingml/2006/compatibility" xmlns:p14="http://schemas.microsoft.com/office/powerpoint/2010/main" xmlns:p15="http://schemas.microsoft.com/office/powerpoint/2012/main" xmlns:ahyp="http://schemas.microsoft.com/office/drawing/2018/hyperlinkcolor" Requires="p14">
       <p:transition spd="slow" p14:dur="700">
         <p:fade/>
       </p:transition>
@@ -8153,7 +8153,7 @@
     <a:masterClrMapping/>
   </p:clrMapOvr>
   <mc:AlternateContent xmlns:mc="http://schemas.openxmlformats.org/markup-compatibility/2006">
-    <mc:Choice xmlns:ahyp="http://schemas.microsoft.com/office/drawing/2018/hyperlinkcolor" xmlns:p15="http://schemas.microsoft.com/office/powerpoint/2012/main" xmlns:p14="http://schemas.microsoft.com/office/powerpoint/2010/main" xmlns:com="http://schemas.openxmlformats.org/drawingml/2006/compatibility" xmlns:pvml="urn:schemas-microsoft-com:office:powerpoint" xmlns:v="urn:schemas-microsoft-com:vml" xmlns:o="urn:schemas-microsoft-com:office:office" xmlns:dgm="http://schemas.openxmlformats.org/drawingml/2006/diagram" xmlns:c="http://schemas.openxmlformats.org/drawingml/2006/chart" xmlns:mv="urn:schemas-microsoft-com:mac:vml" xmlns="" Requires="p14">
+    <mc:Choice xmlns="" xmlns:mv="urn:schemas-microsoft-com:mac:vml" xmlns:c="http://schemas.openxmlformats.org/drawingml/2006/chart" xmlns:dgm="http://schemas.openxmlformats.org/drawingml/2006/diagram" xmlns:o="urn:schemas-microsoft-com:office:office" xmlns:v="urn:schemas-microsoft-com:vml" xmlns:pvml="urn:schemas-microsoft-com:office:powerpoint" xmlns:com="http://schemas.openxmlformats.org/drawingml/2006/compatibility" xmlns:p14="http://schemas.microsoft.com/office/powerpoint/2010/main" xmlns:p15="http://schemas.microsoft.com/office/powerpoint/2012/main" xmlns:ahyp="http://schemas.microsoft.com/office/drawing/2018/hyperlinkcolor" Requires="p14">
       <p:transition spd="slow" p14:dur="700">
         <p:fade/>
       </p:transition>
@@ -8331,7 +8331,7 @@
     <a:masterClrMapping/>
   </p:clrMapOvr>
   <mc:AlternateContent xmlns:mc="http://schemas.openxmlformats.org/markup-compatibility/2006">
-    <mc:Choice xmlns:ahyp="http://schemas.microsoft.com/office/drawing/2018/hyperlinkcolor" xmlns:p15="http://schemas.microsoft.com/office/powerpoint/2012/main" xmlns:p14="http://schemas.microsoft.com/office/powerpoint/2010/main" xmlns:com="http://schemas.openxmlformats.org/drawingml/2006/compatibility" xmlns:pvml="urn:schemas-microsoft-com:office:powerpoint" xmlns:v="urn:schemas-microsoft-com:vml" xmlns:o="urn:schemas-microsoft-com:office:office" xmlns:dgm="http://schemas.openxmlformats.org/drawingml/2006/diagram" xmlns:c="http://schemas.openxmlformats.org/drawingml/2006/chart" xmlns:mv="urn:schemas-microsoft-com:mac:vml" xmlns="" Requires="p14">
+    <mc:Choice xmlns="" xmlns:mv="urn:schemas-microsoft-com:mac:vml" xmlns:c="http://schemas.openxmlformats.org/drawingml/2006/chart" xmlns:dgm="http://schemas.openxmlformats.org/drawingml/2006/diagram" xmlns:o="urn:schemas-microsoft-com:office:office" xmlns:v="urn:schemas-microsoft-com:vml" xmlns:pvml="urn:schemas-microsoft-com:office:powerpoint" xmlns:com="http://schemas.openxmlformats.org/drawingml/2006/compatibility" xmlns:p14="http://schemas.microsoft.com/office/powerpoint/2010/main" xmlns:p15="http://schemas.microsoft.com/office/powerpoint/2012/main" xmlns:ahyp="http://schemas.microsoft.com/office/drawing/2018/hyperlinkcolor" Requires="p14">
       <p:transition spd="slow" p14:dur="700">
         <p:fade/>
       </p:transition>
@@ -8740,7 +8740,7 @@
     <a:masterClrMapping/>
   </p:clrMapOvr>
   <mc:AlternateContent xmlns:mc="http://schemas.openxmlformats.org/markup-compatibility/2006">
-    <mc:Choice xmlns:ahyp="http://schemas.microsoft.com/office/drawing/2018/hyperlinkcolor" xmlns:p15="http://schemas.microsoft.com/office/powerpoint/2012/main" xmlns:p14="http://schemas.microsoft.com/office/powerpoint/2010/main" xmlns:com="http://schemas.openxmlformats.org/drawingml/2006/compatibility" xmlns:pvml="urn:schemas-microsoft-com:office:powerpoint" xmlns:v="urn:schemas-microsoft-com:vml" xmlns:o="urn:schemas-microsoft-com:office:office" xmlns:dgm="http://schemas.openxmlformats.org/drawingml/2006/diagram" xmlns:c="http://schemas.openxmlformats.org/drawingml/2006/chart" xmlns:mv="urn:schemas-microsoft-com:mac:vml" xmlns="" Requires="p14">
+    <mc:Choice xmlns="" xmlns:mv="urn:schemas-microsoft-com:mac:vml" xmlns:c="http://schemas.openxmlformats.org/drawingml/2006/chart" xmlns:dgm="http://schemas.openxmlformats.org/drawingml/2006/diagram" xmlns:o="urn:schemas-microsoft-com:office:office" xmlns:v="urn:schemas-microsoft-com:vml" xmlns:pvml="urn:schemas-microsoft-com:office:powerpoint" xmlns:com="http://schemas.openxmlformats.org/drawingml/2006/compatibility" xmlns:p14="http://schemas.microsoft.com/office/powerpoint/2010/main" xmlns:p15="http://schemas.microsoft.com/office/powerpoint/2012/main" xmlns:ahyp="http://schemas.microsoft.com/office/drawing/2018/hyperlinkcolor" Requires="p14">
       <p:transition spd="slow" p14:dur="700">
         <p:fade/>
       </p:transition>
@@ -9118,7 +9118,7 @@
     <a:masterClrMapping/>
   </p:clrMapOvr>
   <mc:AlternateContent xmlns:mc="http://schemas.openxmlformats.org/markup-compatibility/2006">
-    <mc:Choice xmlns:ahyp="http://schemas.microsoft.com/office/drawing/2018/hyperlinkcolor" xmlns:p15="http://schemas.microsoft.com/office/powerpoint/2012/main" xmlns:p14="http://schemas.microsoft.com/office/powerpoint/2010/main" xmlns:com="http://schemas.openxmlformats.org/drawingml/2006/compatibility" xmlns:pvml="urn:schemas-microsoft-com:office:powerpoint" xmlns:v="urn:schemas-microsoft-com:vml" xmlns:o="urn:schemas-microsoft-com:office:office" xmlns:dgm="http://schemas.openxmlformats.org/drawingml/2006/diagram" xmlns:c="http://schemas.openxmlformats.org/drawingml/2006/chart" xmlns:mv="urn:schemas-microsoft-com:mac:vml" xmlns="" Requires="p14">
+    <mc:Choice xmlns="" xmlns:mv="urn:schemas-microsoft-com:mac:vml" xmlns:c="http://schemas.openxmlformats.org/drawingml/2006/chart" xmlns:dgm="http://schemas.openxmlformats.org/drawingml/2006/diagram" xmlns:o="urn:schemas-microsoft-com:office:office" xmlns:v="urn:schemas-microsoft-com:vml" xmlns:pvml="urn:schemas-microsoft-com:office:powerpoint" xmlns:com="http://schemas.openxmlformats.org/drawingml/2006/compatibility" xmlns:p14="http://schemas.microsoft.com/office/powerpoint/2010/main" xmlns:p15="http://schemas.microsoft.com/office/powerpoint/2012/main" xmlns:ahyp="http://schemas.microsoft.com/office/drawing/2018/hyperlinkcolor" Requires="p14">
       <p:transition spd="slow" p14:dur="700">
         <p:fade/>
       </p:transition>
@@ -9602,7 +9602,7 @@
     <a:masterClrMapping/>
   </p:clrMapOvr>
   <mc:AlternateContent xmlns:mc="http://schemas.openxmlformats.org/markup-compatibility/2006">
-    <mc:Choice xmlns:ahyp="http://schemas.microsoft.com/office/drawing/2018/hyperlinkcolor" xmlns:p15="http://schemas.microsoft.com/office/powerpoint/2012/main" xmlns:p14="http://schemas.microsoft.com/office/powerpoint/2010/main" xmlns:com="http://schemas.openxmlformats.org/drawingml/2006/compatibility" xmlns:pvml="urn:schemas-microsoft-com:office:powerpoint" xmlns:v="urn:schemas-microsoft-com:vml" xmlns:o="urn:schemas-microsoft-com:office:office" xmlns:dgm="http://schemas.openxmlformats.org/drawingml/2006/diagram" xmlns:c="http://schemas.openxmlformats.org/drawingml/2006/chart" xmlns:mv="urn:schemas-microsoft-com:mac:vml" xmlns="" Requires="p14">
+    <mc:Choice xmlns="" xmlns:mv="urn:schemas-microsoft-com:mac:vml" xmlns:c="http://schemas.openxmlformats.org/drawingml/2006/chart" xmlns:dgm="http://schemas.openxmlformats.org/drawingml/2006/diagram" xmlns:o="urn:schemas-microsoft-com:office:office" xmlns:v="urn:schemas-microsoft-com:vml" xmlns:pvml="urn:schemas-microsoft-com:office:powerpoint" xmlns:com="http://schemas.openxmlformats.org/drawingml/2006/compatibility" xmlns:p14="http://schemas.microsoft.com/office/powerpoint/2010/main" xmlns:p15="http://schemas.microsoft.com/office/powerpoint/2012/main" xmlns:ahyp="http://schemas.microsoft.com/office/drawing/2018/hyperlinkcolor" Requires="p14">
       <p:transition spd="slow" p14:dur="700">
         <p:fade/>
       </p:transition>
@@ -9690,7 +9690,7 @@
       </p:sp>
       <p:pic>
         <p:nvPicPr>
-          <p:cNvPr id="1030" name="Picture 6"/>
+          <p:cNvPr id="1027" name="Picture 3"/>
           <p:cNvPicPr>
             <a:picLocks noChangeAspect="1" noChangeArrowheads="1"/>
           </p:cNvPicPr>
@@ -9705,8 +9705,8 @@
         </p:blipFill>
         <p:spPr bwMode="auto">
           <a:xfrm>
-            <a:off x="2588455" y="1617786"/>
-            <a:ext cx="7188591" cy="4955892"/>
+            <a:off x="2813539" y="1541463"/>
+            <a:ext cx="6583680" cy="5140691"/>
           </a:xfrm>
           <a:prstGeom prst="rect">
             <a:avLst/>
@@ -9727,7 +9727,7 @@
     <a:masterClrMapping/>
   </p:clrMapOvr>
   <mc:AlternateContent xmlns:mc="http://schemas.openxmlformats.org/markup-compatibility/2006">
-    <mc:Choice xmlns:ahyp="http://schemas.microsoft.com/office/drawing/2018/hyperlinkcolor" xmlns:p15="http://schemas.microsoft.com/office/powerpoint/2012/main" xmlns:p14="http://schemas.microsoft.com/office/powerpoint/2010/main" xmlns:com="http://schemas.openxmlformats.org/drawingml/2006/compatibility" xmlns:pvml="urn:schemas-microsoft-com:office:powerpoint" xmlns:v="urn:schemas-microsoft-com:vml" xmlns:o="urn:schemas-microsoft-com:office:office" xmlns:dgm="http://schemas.openxmlformats.org/drawingml/2006/diagram" xmlns:c="http://schemas.openxmlformats.org/drawingml/2006/chart" xmlns:mv="urn:schemas-microsoft-com:mac:vml" xmlns="" Requires="p14">
+    <mc:Choice xmlns="" xmlns:mv="urn:schemas-microsoft-com:mac:vml" xmlns:c="http://schemas.openxmlformats.org/drawingml/2006/chart" xmlns:dgm="http://schemas.openxmlformats.org/drawingml/2006/diagram" xmlns:o="urn:schemas-microsoft-com:office:office" xmlns:v="urn:schemas-microsoft-com:vml" xmlns:pvml="urn:schemas-microsoft-com:office:powerpoint" xmlns:com="http://schemas.openxmlformats.org/drawingml/2006/compatibility" xmlns:p14="http://schemas.microsoft.com/office/powerpoint/2010/main" xmlns:p15="http://schemas.microsoft.com/office/powerpoint/2012/main" xmlns:ahyp="http://schemas.microsoft.com/office/drawing/2018/hyperlinkcolor" Requires="p14">
       <p:transition spd="slow" p14:dur="700">
         <p:fade/>
       </p:transition>
@@ -9867,7 +9867,7 @@
     <a:masterClrMapping/>
   </p:clrMapOvr>
   <mc:AlternateContent xmlns:mc="http://schemas.openxmlformats.org/markup-compatibility/2006">
-    <mc:Choice xmlns:ahyp="http://schemas.microsoft.com/office/drawing/2018/hyperlinkcolor" xmlns:p15="http://schemas.microsoft.com/office/powerpoint/2012/main" xmlns:p14="http://schemas.microsoft.com/office/powerpoint/2010/main" xmlns:com="http://schemas.openxmlformats.org/drawingml/2006/compatibility" xmlns:pvml="urn:schemas-microsoft-com:office:powerpoint" xmlns:v="urn:schemas-microsoft-com:vml" xmlns:o="urn:schemas-microsoft-com:office:office" xmlns:dgm="http://schemas.openxmlformats.org/drawingml/2006/diagram" xmlns:c="http://schemas.openxmlformats.org/drawingml/2006/chart" xmlns:mv="urn:schemas-microsoft-com:mac:vml" xmlns="" Requires="p14">
+    <mc:Choice xmlns="" xmlns:mv="urn:schemas-microsoft-com:mac:vml" xmlns:c="http://schemas.openxmlformats.org/drawingml/2006/chart" xmlns:dgm="http://schemas.openxmlformats.org/drawingml/2006/diagram" xmlns:o="urn:schemas-microsoft-com:office:office" xmlns:v="urn:schemas-microsoft-com:vml" xmlns:pvml="urn:schemas-microsoft-com:office:powerpoint" xmlns:com="http://schemas.openxmlformats.org/drawingml/2006/compatibility" xmlns:p14="http://schemas.microsoft.com/office/powerpoint/2010/main" xmlns:p15="http://schemas.microsoft.com/office/powerpoint/2012/main" xmlns:ahyp="http://schemas.microsoft.com/office/drawing/2018/hyperlinkcolor" Requires="p14">
       <p:transition spd="slow" p14:dur="700">
         <p:fade/>
       </p:transition>
@@ -10150,7 +10150,7 @@
     <a:masterClrMapping/>
   </p:clrMapOvr>
   <mc:AlternateContent xmlns:mc="http://schemas.openxmlformats.org/markup-compatibility/2006">
-    <mc:Choice xmlns:ahyp="http://schemas.microsoft.com/office/drawing/2018/hyperlinkcolor" xmlns:p15="http://schemas.microsoft.com/office/powerpoint/2012/main" xmlns:p14="http://schemas.microsoft.com/office/powerpoint/2010/main" xmlns:com="http://schemas.openxmlformats.org/drawingml/2006/compatibility" xmlns:pvml="urn:schemas-microsoft-com:office:powerpoint" xmlns:v="urn:schemas-microsoft-com:vml" xmlns:o="urn:schemas-microsoft-com:office:office" xmlns:dgm="http://schemas.openxmlformats.org/drawingml/2006/diagram" xmlns:c="http://schemas.openxmlformats.org/drawingml/2006/chart" xmlns:mv="urn:schemas-microsoft-com:mac:vml" xmlns="" Requires="p14">
+    <mc:Choice xmlns="" xmlns:mv="urn:schemas-microsoft-com:mac:vml" xmlns:c="http://schemas.openxmlformats.org/drawingml/2006/chart" xmlns:dgm="http://schemas.openxmlformats.org/drawingml/2006/diagram" xmlns:o="urn:schemas-microsoft-com:office:office" xmlns:v="urn:schemas-microsoft-com:vml" xmlns:pvml="urn:schemas-microsoft-com:office:powerpoint" xmlns:com="http://schemas.openxmlformats.org/drawingml/2006/compatibility" xmlns:p14="http://schemas.microsoft.com/office/powerpoint/2010/main" xmlns:p15="http://schemas.microsoft.com/office/powerpoint/2012/main" xmlns:ahyp="http://schemas.microsoft.com/office/drawing/2018/hyperlinkcolor" Requires="p14">
       <p:transition spd="slow" p14:dur="700">
         <p:fade/>
       </p:transition>
